--- a/2조 개요, 요구사항, 메뉴구조도.pptx
+++ b/2조 개요, 요구사항, 메뉴구조도.pptx
@@ -33,9 +33,13 @@
   <p:notesSz cx="6858000" cy="9144000"/>
   <p:embeddedFontLst>
     <p:embeddedFont>
+      <p:font typeface="KoPub돋움체 Bold" panose="00000800000000000000" pitchFamily="2" charset="-127"/>
+      <p:bold r:id="rId25"/>
+    </p:embeddedFont>
+    <p:embeddedFont>
       <p:font typeface="맑은 고딕" panose="020B0503020000020004" pitchFamily="50" charset="-127"/>
-      <p:regular r:id="rId25"/>
-      <p:bold r:id="rId26"/>
+      <p:regular r:id="rId26"/>
+      <p:bold r:id="rId27"/>
     </p:embeddedFont>
   </p:embeddedFontLst>
   <p:defaultTextStyle>
@@ -288,7 +292,7 @@
                 </a:solidFill>
               </a:rPr>
               <a:pPr/>
-              <a:t>2020-01-03</a:t>
+              <a:t>2020-01-04</a:t>
             </a:fld>
             <a:endParaRPr lang="ko-KR" altLang="en-US">
               <a:solidFill>
@@ -488,7 +492,7 @@
                 </a:solidFill>
               </a:rPr>
               <a:pPr/>
-              <a:t>2020-01-03</a:t>
+              <a:t>2020-01-04</a:t>
             </a:fld>
             <a:endParaRPr lang="ko-KR" altLang="en-US">
               <a:solidFill>
@@ -698,7 +702,7 @@
                 </a:solidFill>
               </a:rPr>
               <a:pPr/>
-              <a:t>2020-01-03</a:t>
+              <a:t>2020-01-04</a:t>
             </a:fld>
             <a:endParaRPr lang="ko-KR" altLang="en-US">
               <a:solidFill>
@@ -898,7 +902,7 @@
                 </a:solidFill>
               </a:rPr>
               <a:pPr/>
-              <a:t>2020-01-03</a:t>
+              <a:t>2020-01-04</a:t>
             </a:fld>
             <a:endParaRPr lang="ko-KR" altLang="en-US">
               <a:solidFill>
@@ -1175,7 +1179,7 @@
                 </a:solidFill>
               </a:rPr>
               <a:pPr/>
-              <a:t>2020-01-03</a:t>
+              <a:t>2020-01-04</a:t>
             </a:fld>
             <a:endParaRPr lang="ko-KR" altLang="en-US">
               <a:solidFill>
@@ -1436,7 +1440,7 @@
                 </a:solidFill>
               </a:rPr>
               <a:pPr/>
-              <a:t>2020-01-03</a:t>
+              <a:t>2020-01-04</a:t>
             </a:fld>
             <a:endParaRPr lang="ko-KR" altLang="en-US">
               <a:solidFill>
@@ -1832,7 +1836,7 @@
                 </a:solidFill>
               </a:rPr>
               <a:pPr/>
-              <a:t>2020-01-03</a:t>
+              <a:t>2020-01-04</a:t>
             </a:fld>
             <a:endParaRPr lang="ko-KR" altLang="en-US">
               <a:solidFill>
@@ -1981,7 +1985,7 @@
                 </a:solidFill>
               </a:rPr>
               <a:pPr/>
-              <a:t>2020-01-03</a:t>
+              <a:t>2020-01-04</a:t>
             </a:fld>
             <a:endParaRPr lang="ko-KR" altLang="en-US">
               <a:solidFill>
@@ -2108,7 +2112,7 @@
                 </a:solidFill>
               </a:rPr>
               <a:pPr/>
-              <a:t>2020-01-03</a:t>
+              <a:t>2020-01-04</a:t>
             </a:fld>
             <a:endParaRPr lang="ko-KR" altLang="en-US">
               <a:solidFill>
@@ -2415,7 +2419,7 @@
                 </a:solidFill>
               </a:rPr>
               <a:pPr/>
-              <a:t>2020-01-03</a:t>
+              <a:t>2020-01-04</a:t>
             </a:fld>
             <a:endParaRPr lang="ko-KR" altLang="en-US">
               <a:solidFill>
@@ -2699,7 +2703,7 @@
                 </a:solidFill>
               </a:rPr>
               <a:pPr/>
-              <a:t>2020-01-03</a:t>
+              <a:t>2020-01-04</a:t>
             </a:fld>
             <a:endParaRPr lang="ko-KR" altLang="en-US">
               <a:solidFill>
@@ -2942,7 +2946,7 @@
                 </a:solidFill>
               </a:rPr>
               <a:pPr/>
-              <a:t>2020-01-03</a:t>
+              <a:t>2020-01-04</a:t>
             </a:fld>
             <a:endParaRPr lang="ko-KR" altLang="en-US">
               <a:solidFill>
@@ -3552,26 +3556,6 @@
               </a:rPr>
               <a:t>이희홍</a:t>
             </a:r>
-            <a:r>
-              <a:rPr lang="en-US" altLang="ko-KR" sz="1100" b="1" i="1">
-                <a:solidFill>
-                  <a:prstClr val="white">
-                    <a:lumMod val="95000"/>
-                  </a:prstClr>
-                </a:solidFill>
-              </a:rPr>
-              <a:t>, </a:t>
-            </a:r>
-            <a:r>
-              <a:rPr lang="ko-KR" altLang="en-US" sz="1100" b="1" i="1">
-                <a:solidFill>
-                  <a:prstClr val="white">
-                    <a:lumMod val="95000"/>
-                  </a:prstClr>
-                </a:solidFill>
-              </a:rPr>
-              <a:t>문석재</a:t>
-            </a:r>
           </a:p>
         </p:txBody>
       </p:sp>
@@ -3584,7 +3568,7 @@
     <mc:Choice Requires="p14">
       <p:transition/>
     </mc:Choice>
-    <mc:Fallback xmlns="" xmlns:c="http://schemas.openxmlformats.org/drawingml/2006/chart" xmlns:dgm="http://schemas.openxmlformats.org/drawingml/2006/diagram" xmlns:dsp="http://schemas.microsoft.com/office/drawing/2008/diagram">
+    <mc:Fallback xmlns:dsp="http://schemas.microsoft.com/office/drawing/2008/diagram" xmlns:dgm="http://schemas.openxmlformats.org/drawingml/2006/diagram" xmlns:c="http://schemas.openxmlformats.org/drawingml/2006/chart" xmlns="">
       <p:transition/>
     </mc:Fallback>
   </mc:AlternateContent>
@@ -4965,7 +4949,7 @@
     <mc:Choice Requires="p14">
       <p:transition/>
     </mc:Choice>
-    <mc:Fallback xmlns="" xmlns:c="http://schemas.openxmlformats.org/drawingml/2006/chart" xmlns:dgm="http://schemas.openxmlformats.org/drawingml/2006/diagram" xmlns:dsp="http://schemas.microsoft.com/office/drawing/2008/diagram">
+    <mc:Fallback xmlns:dsp="http://schemas.microsoft.com/office/drawing/2008/diagram" xmlns:dgm="http://schemas.openxmlformats.org/drawingml/2006/diagram" xmlns:c="http://schemas.openxmlformats.org/drawingml/2006/chart" xmlns="">
       <p:transition/>
     </mc:Fallback>
   </mc:AlternateContent>
@@ -6049,7 +6033,7 @@
     <mc:Choice Requires="p14">
       <p:transition/>
     </mc:Choice>
-    <mc:Fallback xmlns="" xmlns:c="http://schemas.openxmlformats.org/drawingml/2006/chart" xmlns:dgm="http://schemas.openxmlformats.org/drawingml/2006/diagram" xmlns:dsp="http://schemas.microsoft.com/office/drawing/2008/diagram">
+    <mc:Fallback xmlns:dsp="http://schemas.microsoft.com/office/drawing/2008/diagram" xmlns:dgm="http://schemas.openxmlformats.org/drawingml/2006/diagram" xmlns:c="http://schemas.openxmlformats.org/drawingml/2006/chart" xmlns="">
       <p:transition/>
     </mc:Fallback>
   </mc:AlternateContent>
@@ -6659,7 +6643,7 @@
     <mc:Choice Requires="p14">
       <p:transition/>
     </mc:Choice>
-    <mc:Fallback xmlns="" xmlns:c="http://schemas.openxmlformats.org/drawingml/2006/chart" xmlns:dgm="http://schemas.openxmlformats.org/drawingml/2006/diagram" xmlns:dsp="http://schemas.microsoft.com/office/drawing/2008/diagram">
+    <mc:Fallback xmlns:dsp="http://schemas.microsoft.com/office/drawing/2008/diagram" xmlns:dgm="http://schemas.openxmlformats.org/drawingml/2006/diagram" xmlns:c="http://schemas.openxmlformats.org/drawingml/2006/chart" xmlns="">
       <p:transition/>
     </mc:Fallback>
   </mc:AlternateContent>
@@ -7512,7 +7496,7 @@
     <mc:Choice Requires="p14">
       <p:transition/>
     </mc:Choice>
-    <mc:Fallback xmlns="" xmlns:c="http://schemas.openxmlformats.org/drawingml/2006/chart" xmlns:dgm="http://schemas.openxmlformats.org/drawingml/2006/diagram" xmlns:dsp="http://schemas.microsoft.com/office/drawing/2008/diagram">
+    <mc:Fallback xmlns:dsp="http://schemas.microsoft.com/office/drawing/2008/diagram" xmlns:dgm="http://schemas.openxmlformats.org/drawingml/2006/diagram" xmlns:c="http://schemas.openxmlformats.org/drawingml/2006/chart" xmlns="">
       <p:transition/>
     </mc:Fallback>
   </mc:AlternateContent>
@@ -8243,7 +8227,7 @@
     <mc:Choice Requires="p14">
       <p:transition/>
     </mc:Choice>
-    <mc:Fallback xmlns="" xmlns:c="http://schemas.openxmlformats.org/drawingml/2006/chart" xmlns:dgm="http://schemas.openxmlformats.org/drawingml/2006/diagram" xmlns:dsp="http://schemas.microsoft.com/office/drawing/2008/diagram">
+    <mc:Fallback xmlns:dsp="http://schemas.microsoft.com/office/drawing/2008/diagram" xmlns:dgm="http://schemas.openxmlformats.org/drawingml/2006/diagram" xmlns:c="http://schemas.openxmlformats.org/drawingml/2006/chart" xmlns="">
       <p:transition/>
     </mc:Fallback>
   </mc:AlternateContent>
@@ -8755,7 +8739,7 @@
     <mc:Choice Requires="p14">
       <p:transition/>
     </mc:Choice>
-    <mc:Fallback xmlns="" xmlns:c="http://schemas.openxmlformats.org/drawingml/2006/chart" xmlns:dgm="http://schemas.openxmlformats.org/drawingml/2006/diagram" xmlns:dsp="http://schemas.microsoft.com/office/drawing/2008/diagram">
+    <mc:Fallback xmlns:dsp="http://schemas.microsoft.com/office/drawing/2008/diagram" xmlns:dgm="http://schemas.openxmlformats.org/drawingml/2006/diagram" xmlns:c="http://schemas.openxmlformats.org/drawingml/2006/chart" xmlns="">
       <p:transition/>
     </mc:Fallback>
   </mc:AlternateContent>
@@ -9626,7 +9610,7 @@
     <mc:Choice Requires="p14">
       <p:transition/>
     </mc:Choice>
-    <mc:Fallback xmlns="" xmlns:c="http://schemas.openxmlformats.org/drawingml/2006/chart" xmlns:dgm="http://schemas.openxmlformats.org/drawingml/2006/diagram" xmlns:dsp="http://schemas.microsoft.com/office/drawing/2008/diagram">
+    <mc:Fallback xmlns:dsp="http://schemas.microsoft.com/office/drawing/2008/diagram" xmlns:dgm="http://schemas.openxmlformats.org/drawingml/2006/diagram" xmlns:c="http://schemas.openxmlformats.org/drawingml/2006/chart" xmlns="">
       <p:transition/>
     </mc:Fallback>
   </mc:AlternateContent>
@@ -10276,7 +10260,7 @@
     <mc:Choice Requires="p14">
       <p:transition/>
     </mc:Choice>
-    <mc:Fallback xmlns="" xmlns:c="http://schemas.openxmlformats.org/drawingml/2006/chart" xmlns:dgm="http://schemas.openxmlformats.org/drawingml/2006/diagram" xmlns:dsp="http://schemas.microsoft.com/office/drawing/2008/diagram">
+    <mc:Fallback xmlns:dsp="http://schemas.microsoft.com/office/drawing/2008/diagram" xmlns:dgm="http://schemas.openxmlformats.org/drawingml/2006/diagram" xmlns:c="http://schemas.openxmlformats.org/drawingml/2006/chart" xmlns="">
       <p:transition/>
     </mc:Fallback>
   </mc:AlternateContent>
@@ -11352,7 +11336,7 @@
     <mc:Choice Requires="p14">
       <p:transition/>
     </mc:Choice>
-    <mc:Fallback xmlns="" xmlns:c="http://schemas.openxmlformats.org/drawingml/2006/chart" xmlns:dgm="http://schemas.openxmlformats.org/drawingml/2006/diagram" xmlns:dsp="http://schemas.microsoft.com/office/drawing/2008/diagram">
+    <mc:Fallback xmlns:dsp="http://schemas.microsoft.com/office/drawing/2008/diagram" xmlns:dgm="http://schemas.openxmlformats.org/drawingml/2006/diagram" xmlns:c="http://schemas.openxmlformats.org/drawingml/2006/chart" xmlns="">
       <p:transition/>
     </mc:Fallback>
   </mc:AlternateContent>
@@ -12223,7 +12207,7 @@
     <mc:Choice Requires="p14">
       <p:transition/>
     </mc:Choice>
-    <mc:Fallback xmlns="" xmlns:c="http://schemas.openxmlformats.org/drawingml/2006/chart" xmlns:dgm="http://schemas.openxmlformats.org/drawingml/2006/diagram" xmlns:dsp="http://schemas.microsoft.com/office/drawing/2008/diagram">
+    <mc:Fallback xmlns:dsp="http://schemas.microsoft.com/office/drawing/2008/diagram" xmlns:dgm="http://schemas.openxmlformats.org/drawingml/2006/diagram" xmlns:c="http://schemas.openxmlformats.org/drawingml/2006/chart" xmlns="">
       <p:transition/>
     </mc:Fallback>
   </mc:AlternateContent>
@@ -12464,7 +12448,7 @@
     <mc:Choice Requires="p14">
       <p:transition/>
     </mc:Choice>
-    <mc:Fallback xmlns="" xmlns:c="http://schemas.openxmlformats.org/drawingml/2006/chart" xmlns:dgm="http://schemas.openxmlformats.org/drawingml/2006/diagram" xmlns:dsp="http://schemas.microsoft.com/office/drawing/2008/diagram">
+    <mc:Fallback xmlns:dsp="http://schemas.microsoft.com/office/drawing/2008/diagram" xmlns:dgm="http://schemas.openxmlformats.org/drawingml/2006/diagram" xmlns:c="http://schemas.openxmlformats.org/drawingml/2006/chart" xmlns="">
       <p:transition/>
     </mc:Fallback>
   </mc:AlternateContent>
@@ -13905,7 +13889,7 @@
     <mc:Choice Requires="p14">
       <p:transition/>
     </mc:Choice>
-    <mc:Fallback xmlns="" xmlns:c="http://schemas.openxmlformats.org/drawingml/2006/chart" xmlns:dgm="http://schemas.openxmlformats.org/drawingml/2006/diagram" xmlns:dsp="http://schemas.microsoft.com/office/drawing/2008/diagram">
+    <mc:Fallback xmlns:dsp="http://schemas.microsoft.com/office/drawing/2008/diagram" xmlns:dgm="http://schemas.openxmlformats.org/drawingml/2006/diagram" xmlns:c="http://schemas.openxmlformats.org/drawingml/2006/chart" xmlns="">
       <p:transition/>
     </mc:Fallback>
   </mc:AlternateContent>
@@ -14756,7 +14740,7 @@
     <mc:Choice Requires="p14">
       <p:transition/>
     </mc:Choice>
-    <mc:Fallback xmlns="" xmlns:c="http://schemas.openxmlformats.org/drawingml/2006/chart" xmlns:dgm="http://schemas.openxmlformats.org/drawingml/2006/diagram" xmlns:dsp="http://schemas.microsoft.com/office/drawing/2008/diagram">
+    <mc:Fallback xmlns:dsp="http://schemas.microsoft.com/office/drawing/2008/diagram" xmlns:dgm="http://schemas.openxmlformats.org/drawingml/2006/diagram" xmlns:c="http://schemas.openxmlformats.org/drawingml/2006/chart" xmlns="">
       <p:transition/>
     </mc:Fallback>
   </mc:AlternateContent>
@@ -14882,7 +14866,7 @@
     <mc:Choice Requires="p14">
       <p:transition/>
     </mc:Choice>
-    <mc:Fallback xmlns="" xmlns:c="http://schemas.openxmlformats.org/drawingml/2006/chart" xmlns:dgm="http://schemas.openxmlformats.org/drawingml/2006/diagram" xmlns:dsp="http://schemas.microsoft.com/office/drawing/2008/diagram">
+    <mc:Fallback xmlns:dsp="http://schemas.microsoft.com/office/drawing/2008/diagram" xmlns:dgm="http://schemas.openxmlformats.org/drawingml/2006/diagram" xmlns:c="http://schemas.openxmlformats.org/drawingml/2006/chart" xmlns="">
       <p:transition/>
     </mc:Fallback>
   </mc:AlternateContent>
@@ -15000,7 +14984,7 @@
     <mc:Choice Requires="p14">
       <p:transition/>
     </mc:Choice>
-    <mc:Fallback xmlns="" xmlns:c="http://schemas.openxmlformats.org/drawingml/2006/chart" xmlns:dgm="http://schemas.openxmlformats.org/drawingml/2006/diagram" xmlns:dsp="http://schemas.microsoft.com/office/drawing/2008/diagram">
+    <mc:Fallback xmlns:dsp="http://schemas.microsoft.com/office/drawing/2008/diagram" xmlns:dgm="http://schemas.openxmlformats.org/drawingml/2006/diagram" xmlns:c="http://schemas.openxmlformats.org/drawingml/2006/chart" xmlns="">
       <p:transition/>
     </mc:Fallback>
   </mc:AlternateContent>
@@ -15079,7 +15063,7 @@
     <mc:Choice Requires="p14">
       <p:transition/>
     </mc:Choice>
-    <mc:Fallback xmlns="" xmlns:c="http://schemas.openxmlformats.org/drawingml/2006/chart" xmlns:dgm="http://schemas.openxmlformats.org/drawingml/2006/diagram" xmlns:dsp="http://schemas.microsoft.com/office/drawing/2008/diagram">
+    <mc:Fallback xmlns:dsp="http://schemas.microsoft.com/office/drawing/2008/diagram" xmlns:dgm="http://schemas.openxmlformats.org/drawingml/2006/diagram" xmlns:c="http://schemas.openxmlformats.org/drawingml/2006/chart" xmlns="">
       <p:transition/>
     </mc:Fallback>
   </mc:AlternateContent>
@@ -16159,7 +16143,7 @@
     <mc:Choice Requires="p14">
       <p:transition/>
     </mc:Choice>
-    <mc:Fallback xmlns="" xmlns:c="http://schemas.openxmlformats.org/drawingml/2006/chart" xmlns:dgm="http://schemas.openxmlformats.org/drawingml/2006/diagram" xmlns:dsp="http://schemas.microsoft.com/office/drawing/2008/diagram">
+    <mc:Fallback xmlns:dsp="http://schemas.microsoft.com/office/drawing/2008/diagram" xmlns:dgm="http://schemas.openxmlformats.org/drawingml/2006/diagram" xmlns:c="http://schemas.openxmlformats.org/drawingml/2006/chart" xmlns="">
       <p:transition/>
     </mc:Fallback>
   </mc:AlternateContent>
@@ -16996,7 +16980,7 @@
     <mc:Choice Requires="p14">
       <p:transition/>
     </mc:Choice>
-    <mc:Fallback xmlns="" xmlns:c="http://schemas.openxmlformats.org/drawingml/2006/chart" xmlns:dgm="http://schemas.openxmlformats.org/drawingml/2006/diagram" xmlns:dsp="http://schemas.microsoft.com/office/drawing/2008/diagram">
+    <mc:Fallback xmlns:dsp="http://schemas.microsoft.com/office/drawing/2008/diagram" xmlns:dgm="http://schemas.openxmlformats.org/drawingml/2006/diagram" xmlns:c="http://schemas.openxmlformats.org/drawingml/2006/chart" xmlns="">
       <p:transition/>
     </mc:Fallback>
   </mc:AlternateContent>
@@ -17834,7 +17818,7 @@
     <mc:Choice Requires="p14">
       <p:transition/>
     </mc:Choice>
-    <mc:Fallback xmlns="" xmlns:c="http://schemas.openxmlformats.org/drawingml/2006/chart" xmlns:dgm="http://schemas.openxmlformats.org/drawingml/2006/diagram" xmlns:dsp="http://schemas.microsoft.com/office/drawing/2008/diagram">
+    <mc:Fallback xmlns:dsp="http://schemas.microsoft.com/office/drawing/2008/diagram" xmlns:dgm="http://schemas.openxmlformats.org/drawingml/2006/diagram" xmlns:c="http://schemas.openxmlformats.org/drawingml/2006/chart" xmlns="">
       <p:transition/>
     </mc:Fallback>
   </mc:AlternateContent>
@@ -18815,7 +18799,7 @@
     <mc:Choice Requires="p14">
       <p:transition/>
     </mc:Choice>
-    <mc:Fallback xmlns="" xmlns:c="http://schemas.openxmlformats.org/drawingml/2006/chart" xmlns:dgm="http://schemas.openxmlformats.org/drawingml/2006/diagram" xmlns:dsp="http://schemas.microsoft.com/office/drawing/2008/diagram">
+    <mc:Fallback xmlns:dsp="http://schemas.microsoft.com/office/drawing/2008/diagram" xmlns:dgm="http://schemas.openxmlformats.org/drawingml/2006/diagram" xmlns:c="http://schemas.openxmlformats.org/drawingml/2006/chart" xmlns="">
       <p:transition/>
     </mc:Fallback>
   </mc:AlternateContent>
@@ -18894,7 +18878,7 @@
     <mc:Choice Requires="p14">
       <p:transition/>
     </mc:Choice>
-    <mc:Fallback xmlns="" xmlns:c="http://schemas.openxmlformats.org/drawingml/2006/chart" xmlns:dgm="http://schemas.openxmlformats.org/drawingml/2006/diagram" xmlns:dsp="http://schemas.microsoft.com/office/drawing/2008/diagram">
+    <mc:Fallback xmlns:dsp="http://schemas.microsoft.com/office/drawing/2008/diagram" xmlns:dgm="http://schemas.openxmlformats.org/drawingml/2006/diagram" xmlns:c="http://schemas.openxmlformats.org/drawingml/2006/chart" xmlns="">
       <p:transition/>
     </mc:Fallback>
   </mc:AlternateContent>
@@ -19267,7 +19251,7 @@
     <mc:Choice Requires="p14">
       <p:transition/>
     </mc:Choice>
-    <mc:Fallback xmlns="" xmlns:c="http://schemas.openxmlformats.org/drawingml/2006/chart" xmlns:dgm="http://schemas.openxmlformats.org/drawingml/2006/diagram" xmlns:dsp="http://schemas.microsoft.com/office/drawing/2008/diagram">
+    <mc:Fallback xmlns:dsp="http://schemas.microsoft.com/office/drawing/2008/diagram" xmlns:dgm="http://schemas.openxmlformats.org/drawingml/2006/diagram" xmlns:c="http://schemas.openxmlformats.org/drawingml/2006/chart" xmlns="">
       <p:transition/>
     </mc:Fallback>
   </mc:AlternateContent>
